--- a/poster/Texas_Aging_Conferences_2023.pptx
+++ b/poster/Texas_Aging_Conferences_2023.pptx
@@ -3815,7 +3815,7 @@
           </a:ln>
           <a:extLst>
             <a:ext uri="{909E8E84-426E-40dd-AFC4-6F175D3DCCD1}">
-              <a14:hiddenFill xmlns="" xmlns:a14="http://schemas.microsoft.com/office/drawing/2010/main">
+              <a14:hiddenFill xmlns:a14="http://schemas.microsoft.com/office/drawing/2010/main" xmlns="">
                 <a:solidFill>
                   <a:srgbClr val="FFFFFF"/>
                 </a:solidFill>
@@ -4138,7 +4138,7 @@
             <a:avLst/>
           </a:prstGeom>
           <a:solidFill>
-            <a:srgbClr val="D50000"/>
+            <a:srgbClr val="E31933"/>
           </a:solidFill>
         </p:spPr>
         <p:style>
@@ -4347,7 +4347,7 @@
             <a:avLst/>
           </a:prstGeom>
           <a:solidFill>
-            <a:srgbClr val="D50000"/>
+            <a:srgbClr val="E31933"/>
           </a:solidFill>
         </p:spPr>
         <p:style>
@@ -4399,7 +4399,7 @@
             <a:avLst/>
           </a:prstGeom>
           <a:solidFill>
-            <a:srgbClr val="D50000"/>
+            <a:srgbClr val="E31933"/>
           </a:solidFill>
         </p:spPr>
         <p:style>
